--- a/Raju_Das_resume.pptx
+++ b/Raju_Das_resume.pptx
@@ -212,12 +212,12 @@
   <pc:docChgLst>
     <pc:chgData name="Raju Das" userId="d4411e19-492d-4921-ac12-c6adc2dc3429" providerId="ADAL" clId="{118BD7A5-C4AD-4F32-9D1C-5106ADB38A00}"/>
     <pc:docChg chg="custSel modSld modMainMaster">
-      <pc:chgData name="Raju Das" userId="d4411e19-492d-4921-ac12-c6adc2dc3429" providerId="ADAL" clId="{118BD7A5-C4AD-4F32-9D1C-5106ADB38A00}" dt="2024-10-01T04:33:59.475" v="46" actId="20577"/>
+      <pc:chgData name="Raju Das" userId="d4411e19-492d-4921-ac12-c6adc2dc3429" providerId="ADAL" clId="{118BD7A5-C4AD-4F32-9D1C-5106ADB38A00}" dt="2024-10-01T04:50:41.494" v="109" actId="108"/>
       <pc:docMkLst>
         <pc:docMk/>
       </pc:docMkLst>
       <pc:sldChg chg="modSp mod setBg">
-        <pc:chgData name="Raju Das" userId="d4411e19-492d-4921-ac12-c6adc2dc3429" providerId="ADAL" clId="{118BD7A5-C4AD-4F32-9D1C-5106ADB38A00}" dt="2024-10-01T04:33:59.475" v="46" actId="20577"/>
+        <pc:chgData name="Raju Das" userId="d4411e19-492d-4921-ac12-c6adc2dc3429" providerId="ADAL" clId="{118BD7A5-C4AD-4F32-9D1C-5106ADB38A00}" dt="2024-10-01T04:50:41.494" v="109" actId="108"/>
         <pc:sldMkLst>
           <pc:docMk/>
           <pc:sldMk cId="2199062463" sldId="562"/>
@@ -231,11 +231,19 @@
           </ac:spMkLst>
         </pc:spChg>
         <pc:spChg chg="mod">
-          <ac:chgData name="Raju Das" userId="d4411e19-492d-4921-ac12-c6adc2dc3429" providerId="ADAL" clId="{118BD7A5-C4AD-4F32-9D1C-5106ADB38A00}" dt="2024-10-01T04:26:27.229" v="12" actId="20577"/>
+          <ac:chgData name="Raju Das" userId="d4411e19-492d-4921-ac12-c6adc2dc3429" providerId="ADAL" clId="{118BD7A5-C4AD-4F32-9D1C-5106ADB38A00}" dt="2024-10-01T04:50:41.494" v="109" actId="108"/>
           <ac:spMkLst>
             <pc:docMk/>
             <pc:sldMk cId="2199062463" sldId="562"/>
             <ac:spMk id="16" creationId="{00000000-0000-0000-0000-000000000000}"/>
+          </ac:spMkLst>
+        </pc:spChg>
+        <pc:spChg chg="mod">
+          <ac:chgData name="Raju Das" userId="d4411e19-492d-4921-ac12-c6adc2dc3429" providerId="ADAL" clId="{118BD7A5-C4AD-4F32-9D1C-5106ADB38A00}" dt="2024-10-01T04:47:55.049" v="104" actId="20577"/>
+          <ac:spMkLst>
+            <pc:docMk/>
+            <pc:sldMk cId="2199062463" sldId="562"/>
+            <ac:spMk id="17" creationId="{00000000-0000-0000-0000-000000000000}"/>
           </ac:spMkLst>
         </pc:spChg>
         <pc:spChg chg="mod">
@@ -24411,18 +24419,7 @@
                 <a:ea typeface="+mn-ea"/>
                 <a:cs typeface="Arial" pitchFamily="34" charset="0"/>
               </a:rPr>
-              <a:t>: Project involved cloud infrastructure automation design and implementation of Akana API Gateway. He worked as a Senior Consultant working with team advising on designing and implementation throughout migration process from On premise OpenShift to AWS EKS project. Includes AWS, EKS, CI/CD, SCM, Image Repo and Security management, Helm</a:t>
-            </a:r>
-            <a:r>
-              <a:rPr lang="en-IN" sz="900" kern="1200">
-                <a:solidFill>
-                  <a:srgbClr val="000000"/>
-                </a:solidFill>
-                <a:latin typeface="EYInterstate Light (Body)"/>
-                <a:ea typeface="+mn-ea"/>
-                <a:cs typeface="Arial" pitchFamily="34" charset="0"/>
-              </a:rPr>
-              <a:t>, Argo CD.</a:t>
+              <a:t>: Project involved cloud infrastructure automation design and implementation of Akana API Gateway. He worked as a Senior Consultant working with team advising on designing and implementation throughout migration process from On premise OpenShift to AWS EKS project. Includes AWS, EKS, CI/CD, SCM, Image Repo and Security management, Helm, Argo CD.</a:t>
             </a:r>
             <a:endParaRPr lang="en-US" sz="900" kern="1200" dirty="0">
               <a:solidFill>
@@ -24601,16 +24598,16 @@
               <a:tabLst/>
             </a:pPr>
             <a:r>
-              <a:rPr lang="en-IN" dirty="0">
+              <a:rPr lang="en-IN" b="0" dirty="0">
                 <a:solidFill>
                   <a:schemeClr val="tx1"/>
                 </a:solidFill>
                 <a:latin typeface="EYInterstate"/>
                 <a:cs typeface="Arial"/>
               </a:rPr>
-              <a:t>EY GDS</a:t>
-            </a:r>
-            <a:endParaRPr lang="en-IN" dirty="0">
+              <a:t>Ernst &amp; Young GDS</a:t>
+            </a:r>
+            <a:endParaRPr lang="en-IN" b="0" dirty="0">
               <a:solidFill>
                 <a:schemeClr val="tx1"/>
               </a:solidFill>
@@ -24633,13 +24630,18 @@
         <p:spPr>
           <a:xfrm>
             <a:off x="1584412" y="1126800"/>
-            <a:ext cx="5529175" cy="276999"/>
+            <a:ext cx="5529175" cy="415498"/>
           </a:xfrm>
         </p:spPr>
         <p:txBody>
           <a:bodyPr/>
           <a:lstStyle/>
           <a:p>
+            <a:endParaRPr lang="en-US" b="0" dirty="0">
+              <a:latin typeface="EYInterstate"/>
+            </a:endParaRPr>
+          </a:p>
+          <a:p>
             <a:r>
               <a:rPr lang="en-US" b="0" dirty="0">
                 <a:latin typeface="EYInterstate"/>
@@ -24652,7 +24654,7 @@
               <a:rPr lang="en-US" b="0" dirty="0">
                 <a:latin typeface="EYInterstate"/>
               </a:rPr>
-              <a:t>Email :  raju.das@gds.ey.com</a:t>
+              <a:t>Email :  automationdevopsraju@gmail.com</a:t>
             </a:r>
             <a:endParaRPr lang="en-US" b="0" dirty="0">
               <a:latin typeface="EYInterstate"/>
